--- a/REPORTLAB _TUTORIAL_38_SLIDE.pptx
+++ b/REPORTLAB _TUTORIAL_38_SLIDE.pptx
@@ -5,14 +5,15 @@
     <p:sldMasterId id="2147483648" r:id="rId4"/>
   </p:sldMasterIdLst>
   <p:notesMasterIdLst>
-    <p:notesMasterId r:id="rId7"/>
+    <p:notesMasterId r:id="rId8"/>
   </p:notesMasterIdLst>
   <p:handoutMasterIdLst>
-    <p:handoutMasterId r:id="rId8"/>
+    <p:handoutMasterId r:id="rId9"/>
   </p:handoutMasterIdLst>
   <p:sldIdLst>
     <p:sldId id="2435" r:id="rId5"/>
     <p:sldId id="2436" r:id="rId6"/>
+    <p:sldId id="2437" r:id="rId7"/>
   </p:sldIdLst>
   <p:sldSz cx="12192000" cy="6858000"/>
   <p:notesSz cx="6858000" cy="9144000"/>
@@ -227,7 +228,7 @@
           <a:p>
             <a:fld id="{966D5B4E-BF3E-3B45-A4BA-D6C3B92870D7}" type="datetimeFigureOut">
               <a:rPr lang="en-US" smtClean="0"/>
-              <a:t>1/16/20</a:t>
+              <a:t>1/18/20</a:t>
             </a:fld>
             <a:endParaRPr lang="en-US" dirty="0"/>
           </a:p>
@@ -404,7 +405,7 @@
           <a:p>
             <a:fld id="{F5A8621B-8C8E-49BA-8772-41D0FE75A082}" type="datetimeFigureOut">
               <a:rPr lang="en-US" smtClean="0"/>
-              <a:t>1/16/20</a:t>
+              <a:t>1/18/20</a:t>
             </a:fld>
             <a:endParaRPr lang="en-US" dirty="0"/>
           </a:p>
@@ -1819,7 +1820,7 @@
           </a:ln>
           <a:extLst>
             <a:ext uri="{C572A759-6A51-4108-AA02-DFA0A04FC94B}">
-              <ma14:wrappingTextBoxFlag xmlns:ma14="http://schemas.microsoft.com/office/mac/drawingml/2011/main" xmlns="" val="1"/>
+              <ma14:wrappingTextBoxFlag xmlns="" xmlns:ma14="http://schemas.microsoft.com/office/mac/drawingml/2011/main" val="1"/>
             </a:ext>
           </a:extLst>
         </p:spPr>
@@ -2140,7 +2141,7 @@
           </a:ln>
           <a:extLst>
             <a:ext uri="{C572A759-6A51-4108-AA02-DFA0A04FC94B}">
-              <ma14:wrappingTextBoxFlag xmlns:ma14="http://schemas.microsoft.com/office/mac/drawingml/2011/main" xmlns="" val="1"/>
+              <ma14:wrappingTextBoxFlag xmlns="" xmlns:ma14="http://schemas.microsoft.com/office/mac/drawingml/2011/main" val="1"/>
             </a:ext>
           </a:extLst>
         </p:spPr>
@@ -2592,7 +2593,7 @@
           </a:ln>
           <a:extLst>
             <a:ext uri="{C572A759-6A51-4108-AA02-DFA0A04FC94B}">
-              <ma14:wrappingTextBoxFlag xmlns:ma14="http://schemas.microsoft.com/office/mac/drawingml/2011/main" xmlns="" val="1"/>
+              <ma14:wrappingTextBoxFlag xmlns="" xmlns:ma14="http://schemas.microsoft.com/office/mac/drawingml/2011/main" val="1"/>
             </a:ext>
           </a:extLst>
         </p:spPr>
@@ -3014,7 +3015,7 @@
           </a:ln>
           <a:extLst>
             <a:ext uri="{C572A759-6A51-4108-AA02-DFA0A04FC94B}">
-              <ma14:wrappingTextBoxFlag xmlns:ma14="http://schemas.microsoft.com/office/mac/drawingml/2011/main" xmlns="" val="1"/>
+              <ma14:wrappingTextBoxFlag xmlns="" xmlns:ma14="http://schemas.microsoft.com/office/mac/drawingml/2011/main" val="1"/>
             </a:ext>
           </a:extLst>
         </p:spPr>
@@ -5571,7 +5572,7 @@
           </a:ln>
           <a:extLst>
             <a:ext uri="{C572A759-6A51-4108-AA02-DFA0A04FC94B}">
-              <ma14:wrappingTextBoxFlag xmlns:ma14="http://schemas.microsoft.com/office/mac/drawingml/2011/main" xmlns="" val="1"/>
+              <ma14:wrappingTextBoxFlag xmlns="" xmlns:ma14="http://schemas.microsoft.com/office/mac/drawingml/2011/main" val="1"/>
             </a:ext>
           </a:extLst>
         </p:spPr>
@@ -7002,7 +7003,7 @@
           </a:ln>
           <a:extLst>
             <a:ext uri="{C572A759-6A51-4108-AA02-DFA0A04FC94B}">
-              <ma14:wrappingTextBoxFlag xmlns:ma14="http://schemas.microsoft.com/office/mac/drawingml/2011/main" xmlns="" val="1"/>
+              <ma14:wrappingTextBoxFlag xmlns="" xmlns:ma14="http://schemas.microsoft.com/office/mac/drawingml/2011/main" val="1"/>
             </a:ext>
           </a:extLst>
         </p:spPr>
@@ -7600,8 +7601,33 @@
                 <a:ea typeface="+mj-ea"/>
                 <a:cs typeface="+mj-cs"/>
               </a:rPr>
-              <a:t>How to add multiple shapes in same drawing</a:t>
-            </a:r>
+              <a:t>How to generate barcode using </a:t>
+            </a:r>
+            <a:r>
+              <a:rPr lang="en-US" sz="2800" b="1" cap="all" spc="300" dirty="0" err="1">
+                <a:solidFill>
+                  <a:schemeClr val="tx1"/>
+                </a:solidFill>
+                <a:highlight>
+                  <a:srgbClr val="FF0000"/>
+                </a:highlight>
+                <a:latin typeface="+mj-lt"/>
+                <a:ea typeface="+mj-ea"/>
+                <a:cs typeface="+mj-cs"/>
+              </a:rPr>
+              <a:t>reportlab</a:t>
+            </a:r>
+            <a:endParaRPr lang="en-US" sz="2800" b="1" cap="all" spc="300" dirty="0">
+              <a:solidFill>
+                <a:schemeClr val="tx1"/>
+              </a:solidFill>
+              <a:highlight>
+                <a:srgbClr val="FF0000"/>
+              </a:highlight>
+              <a:latin typeface="+mj-lt"/>
+              <a:ea typeface="+mj-ea"/>
+              <a:cs typeface="+mj-cs"/>
+            </a:endParaRPr>
           </a:p>
           <a:p>
             <a:pPr>
@@ -7624,7 +7650,7 @@
                 <a:ea typeface="+mj-ea"/>
                 <a:cs typeface="+mj-cs"/>
               </a:rPr>
-              <a:t>Tutorial 38</a:t>
+              <a:t>Tutorial 39</a:t>
             </a:r>
           </a:p>
         </p:txBody>
@@ -7791,7 +7817,7 @@
         <p:spPr>
           <a:xfrm>
             <a:off x="381000" y="123568"/>
-            <a:ext cx="11650363" cy="4893647"/>
+            <a:ext cx="11650363" cy="3416320"/>
           </a:xfrm>
           <a:prstGeom prst="rect">
             <a:avLst/>
@@ -7805,44 +7831,8 @@
           <a:lstStyle/>
           <a:p>
             <a:r>
-              <a:rPr lang="de-DE" sz="2400" dirty="0" err="1"/>
-              <a:t>How</a:t>
-            </a:r>
-            <a:r>
               <a:rPr lang="de-DE" sz="2400" dirty="0"/>
-              <a:t> </a:t>
-            </a:r>
-            <a:r>
-              <a:rPr lang="de-DE" sz="2400" dirty="0" err="1"/>
-              <a:t>to</a:t>
-            </a:r>
-            <a:r>
-              <a:rPr lang="de-DE" sz="2400" dirty="0"/>
-              <a:t> </a:t>
-            </a:r>
-            <a:r>
-              <a:rPr lang="de-DE" sz="2400" dirty="0" err="1"/>
-              <a:t>add</a:t>
-            </a:r>
-            <a:r>
-              <a:rPr lang="de-DE" sz="2400" dirty="0"/>
-              <a:t> multiple </a:t>
-            </a:r>
-            <a:r>
-              <a:rPr lang="de-DE" sz="2400" dirty="0" err="1"/>
-              <a:t>shapes</a:t>
-            </a:r>
-            <a:r>
-              <a:rPr lang="de-DE" sz="2400" dirty="0"/>
-              <a:t> in same </a:t>
-            </a:r>
-            <a:r>
-              <a:rPr lang="de-DE" sz="2400" dirty="0" err="1"/>
-              <a:t>drawing</a:t>
-            </a:r>
-            <a:r>
-              <a:rPr lang="de-DE" sz="2400" dirty="0"/>
-              <a:t>:</a:t>
+              <a:t>CODE39 BARCODE:</a:t>
             </a:r>
           </a:p>
           <a:p>
@@ -7854,12 +7844,76 @@
           </a:p>
           <a:p>
             <a:r>
+              <a:rPr lang="de-DE" b="1" dirty="0">
+                <a:highlight>
+                  <a:srgbClr val="FFFF00"/>
+                </a:highlight>
+              </a:rPr>
+              <a:t>Code 39</a:t>
+            </a:r>
+            <a:r>
+              <a:rPr lang="de-DE" dirty="0">
+                <a:highlight>
+                  <a:srgbClr val="FFFF00"/>
+                </a:highlight>
+              </a:rPr>
+              <a:t> </a:t>
+            </a:r>
+            <a:r>
               <a:rPr lang="de-DE" dirty="0" err="1">
                 <a:highlight>
                   <a:srgbClr val="FFFF00"/>
                 </a:highlight>
               </a:rPr>
-              <a:t>from</a:t>
+              <a:t>is</a:t>
+            </a:r>
+            <a:r>
+              <a:rPr lang="de-DE" dirty="0">
+                <a:highlight>
+                  <a:srgbClr val="FFFF00"/>
+                </a:highlight>
+              </a:rPr>
+              <a:t> a </a:t>
+            </a:r>
+            <a:r>
+              <a:rPr lang="de-DE" dirty="0" err="1">
+                <a:highlight>
+                  <a:srgbClr val="FFFF00"/>
+                </a:highlight>
+              </a:rPr>
+              <a:t>common</a:t>
+            </a:r>
+            <a:r>
+              <a:rPr lang="de-DE" dirty="0">
+                <a:highlight>
+                  <a:srgbClr val="FFFF00"/>
+                </a:highlight>
+              </a:rPr>
+              <a:t> </a:t>
+            </a:r>
+            <a:r>
+              <a:rPr lang="de-DE" b="1" dirty="0" err="1">
+                <a:highlight>
+                  <a:srgbClr val="FFFF00"/>
+                </a:highlight>
+              </a:rPr>
+              <a:t>barcode</a:t>
+            </a:r>
+            <a:r>
+              <a:rPr lang="de-DE" dirty="0">
+                <a:highlight>
+                  <a:srgbClr val="FFFF00"/>
+                </a:highlight>
+              </a:rPr>
+              <a:t> type </a:t>
+            </a:r>
+            <a:r>
+              <a:rPr lang="de-DE" dirty="0" err="1">
+                <a:highlight>
+                  <a:srgbClr val="FFFF00"/>
+                </a:highlight>
+              </a:rPr>
+              <a:t>used</a:t>
             </a:r>
             <a:r>
               <a:rPr lang="de-DE" dirty="0">
@@ -7875,7 +7929,7 @@
                   <a:srgbClr val="FFFF00"/>
                 </a:highlight>
               </a:rPr>
-              <a:t>reportlab.graphics</a:t>
+              <a:t>for</a:t>
             </a:r>
             <a:r>
               <a:rPr lang="de-DE" dirty="0">
@@ -7891,7 +7945,7 @@
                   <a:srgbClr val="FFFF00"/>
                 </a:highlight>
               </a:rPr>
-              <a:t>import</a:t>
+              <a:t>various</a:t>
             </a:r>
             <a:r>
               <a:rPr lang="de-DE" dirty="0">
@@ -7907,22 +7961,23 @@
                   <a:srgbClr val="FFFF00"/>
                 </a:highlight>
               </a:rPr>
-              <a:t>shapes</a:t>
-            </a:r>
-            <a:endParaRPr lang="de-DE" dirty="0">
-              <a:highlight>
-                <a:srgbClr val="FFFF00"/>
-              </a:highlight>
-            </a:endParaRPr>
-          </a:p>
-          <a:p>
+              <a:t>labels</a:t>
+            </a:r>
+            <a:r>
+              <a:rPr lang="de-DE" dirty="0">
+                <a:highlight>
+                  <a:srgbClr val="FFFF00"/>
+                </a:highlight>
+              </a:rPr>
+              <a:t> such </a:t>
+            </a:r>
             <a:r>
               <a:rPr lang="de-DE" dirty="0" err="1">
                 <a:highlight>
                   <a:srgbClr val="FFFF00"/>
                 </a:highlight>
               </a:rPr>
-              <a:t>from</a:t>
+              <a:t>as</a:t>
             </a:r>
             <a:r>
               <a:rPr lang="de-DE" dirty="0">
@@ -7938,7 +7993,7 @@
                   <a:srgbClr val="FFFF00"/>
                 </a:highlight>
               </a:rPr>
-              <a:t>reportlab.lib</a:t>
+              <a:t>name</a:t>
             </a:r>
             <a:r>
               <a:rPr lang="de-DE" dirty="0">
@@ -7954,7 +8009,23 @@
                   <a:srgbClr val="FFFF00"/>
                 </a:highlight>
               </a:rPr>
-              <a:t>import</a:t>
+              <a:t>badges</a:t>
+            </a:r>
+            <a:r>
+              <a:rPr lang="de-DE" dirty="0">
+                <a:highlight>
+                  <a:srgbClr val="FFFF00"/>
+                </a:highlight>
+              </a:rPr>
+              <a:t>, </a:t>
+            </a:r>
+            <a:r>
+              <a:rPr lang="de-DE" dirty="0" err="1">
+                <a:highlight>
+                  <a:srgbClr val="FFFF00"/>
+                </a:highlight>
+              </a:rPr>
+              <a:t>inventory</a:t>
             </a:r>
             <a:r>
               <a:rPr lang="de-DE" dirty="0">
@@ -7970,22 +8041,23 @@
                   <a:srgbClr val="FFFF00"/>
                 </a:highlight>
               </a:rPr>
-              <a:t>colors</a:t>
-            </a:r>
-            <a:endParaRPr lang="de-DE" dirty="0">
-              <a:highlight>
-                <a:srgbClr val="FFFF00"/>
-              </a:highlight>
-            </a:endParaRPr>
-          </a:p>
-          <a:p>
+              <a:t>and</a:t>
+            </a:r>
+            <a:r>
+              <a:rPr lang="de-DE" dirty="0">
+                <a:highlight>
+                  <a:srgbClr val="FFFF00"/>
+                </a:highlight>
+              </a:rPr>
+              <a:t> </a:t>
+            </a:r>
             <a:r>
               <a:rPr lang="de-DE" dirty="0" err="1">
                 <a:highlight>
                   <a:srgbClr val="FFFF00"/>
                 </a:highlight>
               </a:rPr>
-              <a:t>drawing_obj</a:t>
+              <a:t>industrial</a:t>
             </a:r>
             <a:r>
               <a:rPr lang="de-DE" dirty="0">
@@ -7993,7 +8065,7 @@
                   <a:srgbClr val="FFFF00"/>
                 </a:highlight>
               </a:rPr>
-              <a:t>=</a:t>
+              <a:t> </a:t>
             </a:r>
             <a:r>
               <a:rPr lang="de-DE" dirty="0" err="1">
@@ -8001,7 +8073,7 @@
                   <a:srgbClr val="FFFF00"/>
                 </a:highlight>
               </a:rPr>
-              <a:t>shapes.Drawing</a:t>
+              <a:t>applications</a:t>
             </a:r>
             <a:r>
               <a:rPr lang="de-DE" dirty="0">
@@ -8009,17 +8081,15 @@
                   <a:srgbClr val="FFFF00"/>
                 </a:highlight>
               </a:rPr>
-              <a:t>(400,400)</a:t>
-            </a:r>
-          </a:p>
-          <a:p>
+              <a:t>. The </a:t>
+            </a:r>
             <a:r>
               <a:rPr lang="de-DE" dirty="0" err="1">
                 <a:highlight>
                   <a:srgbClr val="FFFF00"/>
                 </a:highlight>
               </a:rPr>
-              <a:t>drawing_obj.add</a:t>
+              <a:t>symbology</a:t>
             </a:r>
             <a:r>
               <a:rPr lang="de-DE" dirty="0">
@@ -8027,7 +8097,7 @@
                   <a:srgbClr val="FFFF00"/>
                 </a:highlight>
               </a:rPr>
-              <a:t>(</a:t>
+              <a:t> </a:t>
             </a:r>
             <a:r>
               <a:rPr lang="de-DE" dirty="0" err="1">
@@ -8035,7 +8105,7 @@
                   <a:srgbClr val="FFFF00"/>
                 </a:highlight>
               </a:rPr>
-              <a:t>shapes.Rect</a:t>
+              <a:t>of</a:t>
             </a:r>
             <a:r>
               <a:rPr lang="de-DE" dirty="0">
@@ -8043,7 +8113,7 @@
                   <a:srgbClr val="FFFF00"/>
                 </a:highlight>
               </a:rPr>
-              <a:t>(20,20,300,300,strokeColor=</a:t>
+              <a:t> </a:t>
             </a:r>
             <a:r>
               <a:rPr lang="de-DE" dirty="0" err="1">
@@ -8051,7 +8121,7 @@
                   <a:srgbClr val="FFFF00"/>
                 </a:highlight>
               </a:rPr>
-              <a:t>colors.green,fillColor</a:t>
+              <a:t>the</a:t>
             </a:r>
             <a:r>
               <a:rPr lang="de-DE" dirty="0">
@@ -8059,7 +8129,23 @@
                   <a:srgbClr val="FFFF00"/>
                 </a:highlight>
               </a:rPr>
-              <a:t>=</a:t>
+              <a:t> </a:t>
+            </a:r>
+            <a:r>
+              <a:rPr lang="de-DE" b="1" dirty="0">
+                <a:highlight>
+                  <a:srgbClr val="FFFF00"/>
+                </a:highlight>
+              </a:rPr>
+              <a:t>Code 39</a:t>
+            </a:r>
+            <a:r>
+              <a:rPr lang="de-DE" dirty="0">
+                <a:highlight>
+                  <a:srgbClr val="FFFF00"/>
+                </a:highlight>
+              </a:rPr>
+              <a:t> </a:t>
             </a:r>
             <a:r>
               <a:rPr lang="de-DE" dirty="0" err="1">
@@ -8067,7 +8153,7 @@
                   <a:srgbClr val="FFFF00"/>
                 </a:highlight>
               </a:rPr>
-              <a:t>colors.green</a:t>
+              <a:t>character</a:t>
             </a:r>
             <a:r>
               <a:rPr lang="de-DE" dirty="0">
@@ -8075,17 +8161,15 @@
                   <a:srgbClr val="FFFF00"/>
                 </a:highlight>
               </a:rPr>
-              <a:t>))</a:t>
-            </a:r>
-          </a:p>
-          <a:p>
+              <a:t> </a:t>
+            </a:r>
             <a:r>
               <a:rPr lang="de-DE" dirty="0" err="1">
                 <a:highlight>
                   <a:srgbClr val="FFFF00"/>
                 </a:highlight>
               </a:rPr>
-              <a:t>drawing_obj.add</a:t>
+              <a:t>set</a:t>
             </a:r>
             <a:r>
               <a:rPr lang="de-DE" dirty="0">
@@ -8093,7 +8177,7 @@
                   <a:srgbClr val="FFFF00"/>
                 </a:highlight>
               </a:rPr>
-              <a:t>(</a:t>
+              <a:t> </a:t>
             </a:r>
             <a:r>
               <a:rPr lang="de-DE" dirty="0" err="1">
@@ -8101,7 +8185,7 @@
                   <a:srgbClr val="FFFF00"/>
                 </a:highlight>
               </a:rPr>
-              <a:t>shapes.Rect</a:t>
+              <a:t>consists</a:t>
             </a:r>
             <a:r>
               <a:rPr lang="de-DE" dirty="0">
@@ -8109,7 +8193,7 @@
                   <a:srgbClr val="FFFF00"/>
                 </a:highlight>
               </a:rPr>
-              <a:t>(20,20,200,200,strokeColor=</a:t>
+              <a:t> </a:t>
             </a:r>
             <a:r>
               <a:rPr lang="de-DE" dirty="0" err="1">
@@ -8117,7 +8201,7 @@
                   <a:srgbClr val="FFFF00"/>
                 </a:highlight>
               </a:rPr>
-              <a:t>colors.red</a:t>
+              <a:t>of</a:t>
             </a:r>
             <a:r>
               <a:rPr lang="de-DE" dirty="0">
@@ -8125,17 +8209,31 @@
                   <a:srgbClr val="FFFF00"/>
                 </a:highlight>
               </a:rPr>
-              <a:t>))</a:t>
-            </a:r>
-          </a:p>
-          <a:p>
+              <a:t> </a:t>
+            </a:r>
+            <a:r>
+              <a:rPr lang="de-DE" b="1" dirty="0" err="1">
+                <a:highlight>
+                  <a:srgbClr val="FFFF00"/>
+                </a:highlight>
+              </a:rPr>
+              <a:t>barcode</a:t>
+            </a:r>
+            <a:r>
+              <a:rPr lang="de-DE" dirty="0">
+                <a:highlight>
+                  <a:srgbClr val="FFFF00"/>
+                </a:highlight>
+              </a:rPr>
+              <a:t> </a:t>
+            </a:r>
             <a:r>
               <a:rPr lang="de-DE" dirty="0" err="1">
                 <a:highlight>
                   <a:srgbClr val="FFFF00"/>
                 </a:highlight>
               </a:rPr>
-              <a:t>drawing_obj.add</a:t>
+              <a:t>symbols</a:t>
             </a:r>
             <a:r>
               <a:rPr lang="de-DE" dirty="0">
@@ -8143,7 +8241,7 @@
                   <a:srgbClr val="FFFF00"/>
                 </a:highlight>
               </a:rPr>
-              <a:t>(</a:t>
+              <a:t> </a:t>
             </a:r>
             <a:r>
               <a:rPr lang="de-DE" dirty="0" err="1">
@@ -8151,7 +8249,7 @@
                   <a:srgbClr val="FFFF00"/>
                 </a:highlight>
               </a:rPr>
-              <a:t>shapes.Circle</a:t>
+              <a:t>representing</a:t>
             </a:r>
             <a:r>
               <a:rPr lang="de-DE" dirty="0">
@@ -8159,7 +8257,7 @@
                   <a:srgbClr val="FFFF00"/>
                 </a:highlight>
               </a:rPr>
-              <a:t>(120,100,60,fillColor=</a:t>
+              <a:t> </a:t>
             </a:r>
             <a:r>
               <a:rPr lang="de-DE" dirty="0" err="1">
@@ -8167,7 +8265,7 @@
                   <a:srgbClr val="FFFF00"/>
                 </a:highlight>
               </a:rPr>
-              <a:t>colors.blue</a:t>
+              <a:t>numbers</a:t>
             </a:r>
             <a:r>
               <a:rPr lang="de-DE" dirty="0">
@@ -8175,17 +8273,15 @@
                   <a:srgbClr val="FFFF00"/>
                 </a:highlight>
               </a:rPr>
-              <a:t>))</a:t>
-            </a:r>
-          </a:p>
-          <a:p>
+              <a:t> 0-9, </a:t>
+            </a:r>
             <a:r>
               <a:rPr lang="de-DE" dirty="0" err="1">
                 <a:highlight>
                   <a:srgbClr val="FFFF00"/>
                 </a:highlight>
               </a:rPr>
-              <a:t>drawing_obj.save</a:t>
+              <a:t>upper-case</a:t>
             </a:r>
             <a:r>
               <a:rPr lang="de-DE" dirty="0">
@@ -8193,7 +8289,7 @@
                   <a:srgbClr val="FFFF00"/>
                 </a:highlight>
               </a:rPr>
-              <a:t>(</a:t>
+              <a:t> </a:t>
             </a:r>
             <a:r>
               <a:rPr lang="de-DE" dirty="0" err="1">
@@ -8201,7 +8297,7 @@
                   <a:srgbClr val="FFFF00"/>
                 </a:highlight>
               </a:rPr>
-              <a:t>formats</a:t>
+              <a:t>letters</a:t>
             </a:r>
             <a:r>
               <a:rPr lang="de-DE" dirty="0">
@@ -8209,31 +8305,15 @@
                   <a:srgbClr val="FFFF00"/>
                 </a:highlight>
               </a:rPr>
-              <a:t>=[</a:t>
-            </a:r>
-            <a:r>
-              <a:rPr lang="de-DE" i="1" dirty="0">
+              <a:t> A-Z, </a:t>
+            </a:r>
+            <a:r>
+              <a:rPr lang="de-DE" dirty="0" err="1">
                 <a:highlight>
                   <a:srgbClr val="FFFF00"/>
                 </a:highlight>
               </a:rPr>
-              <a:t>"</a:t>
-            </a:r>
-            <a:r>
-              <a:rPr lang="de-DE" i="1" u="sng" dirty="0" err="1">
-                <a:highlight>
-                  <a:srgbClr val="FFFF00"/>
-                </a:highlight>
-              </a:rPr>
-              <a:t>pdf</a:t>
-            </a:r>
-            <a:r>
-              <a:rPr lang="de-DE" i="1" dirty="0">
-                <a:highlight>
-                  <a:srgbClr val="FFFF00"/>
-                </a:highlight>
-              </a:rPr>
-              <a:t>"</a:t>
+              <a:t>the</a:t>
             </a:r>
             <a:r>
               <a:rPr lang="de-DE" dirty="0">
@@ -8241,7 +8321,7 @@
                   <a:srgbClr val="FFFF00"/>
                 </a:highlight>
               </a:rPr>
-              <a:t>],</a:t>
+              <a:t> </a:t>
             </a:r>
             <a:r>
               <a:rPr lang="de-DE" dirty="0" err="1">
@@ -8249,7 +8329,7 @@
                   <a:srgbClr val="FFFF00"/>
                 </a:highlight>
               </a:rPr>
-              <a:t>fnRoot</a:t>
+              <a:t>space</a:t>
             </a:r>
             <a:r>
               <a:rPr lang="de-DE" dirty="0">
@@ -8257,15 +8337,15 @@
                   <a:srgbClr val="FFFF00"/>
                 </a:highlight>
               </a:rPr>
-              <a:t>=</a:t>
-            </a:r>
-            <a:r>
-              <a:rPr lang="de-DE" i="1" dirty="0">
+              <a:t> </a:t>
+            </a:r>
+            <a:r>
+              <a:rPr lang="de-DE" dirty="0" err="1">
                 <a:highlight>
                   <a:srgbClr val="FFFF00"/>
                 </a:highlight>
               </a:rPr>
-              <a:t>"tutorial38"</a:t>
+              <a:t>character</a:t>
             </a:r>
             <a:r>
               <a:rPr lang="de-DE" dirty="0">
@@ -8273,10 +8353,72 @@
                   <a:srgbClr val="FFFF00"/>
                 </a:highlight>
               </a:rPr>
-              <a:t>)</a:t>
-            </a:r>
-          </a:p>
-          <a:p>
+              <a:t> </a:t>
+            </a:r>
+            <a:r>
+              <a:rPr lang="de-DE" dirty="0" err="1">
+                <a:highlight>
+                  <a:srgbClr val="FFFF00"/>
+                </a:highlight>
+              </a:rPr>
+              <a:t>and</a:t>
+            </a:r>
+            <a:r>
+              <a:rPr lang="de-DE" dirty="0">
+                <a:highlight>
+                  <a:srgbClr val="FFFF00"/>
+                </a:highlight>
+              </a:rPr>
+              <a:t> </a:t>
+            </a:r>
+            <a:r>
+              <a:rPr lang="de-DE" dirty="0" err="1">
+                <a:highlight>
+                  <a:srgbClr val="FFFF00"/>
+                </a:highlight>
+              </a:rPr>
+              <a:t>the</a:t>
+            </a:r>
+            <a:r>
+              <a:rPr lang="de-DE" dirty="0">
+                <a:highlight>
+                  <a:srgbClr val="FFFF00"/>
+                </a:highlight>
+              </a:rPr>
+              <a:t> </a:t>
+            </a:r>
+            <a:r>
+              <a:rPr lang="de-DE" dirty="0" err="1">
+                <a:highlight>
+                  <a:srgbClr val="FFFF00"/>
+                </a:highlight>
+              </a:rPr>
+              <a:t>following</a:t>
+            </a:r>
+            <a:r>
+              <a:rPr lang="de-DE" dirty="0">
+                <a:highlight>
+                  <a:srgbClr val="FFFF00"/>
+                </a:highlight>
+              </a:rPr>
+              <a:t> </a:t>
+            </a:r>
+            <a:r>
+              <a:rPr lang="de-DE" dirty="0" err="1">
+                <a:highlight>
+                  <a:srgbClr val="FFFF00"/>
+                </a:highlight>
+              </a:rPr>
+              <a:t>symbols</a:t>
+            </a:r>
+            <a:r>
+              <a:rPr lang="de-DE" dirty="0">
+                <a:highlight>
+                  <a:srgbClr val="FFFF00"/>
+                </a:highlight>
+              </a:rPr>
+              <a:t>: – . $ / + %.</a:t>
+            </a:r>
             <a:endParaRPr lang="de-DE" sz="2400" dirty="0">
               <a:highlight>
                 <a:srgbClr val="FFFF00"/>
@@ -8316,6 +8458,453 @@
     <p:extLst>
       <p:ext uri="{BB962C8B-B14F-4D97-AF65-F5344CB8AC3E}">
         <p14:creationId xmlns:p14="http://schemas.microsoft.com/office/powerpoint/2010/main" val="427225267"/>
+      </p:ext>
+    </p:extLst>
+  </p:cSld>
+  <p:clrMapOvr>
+    <a:masterClrMapping/>
+  </p:clrMapOvr>
+</p:sld>
+</file>
+
+<file path=ppt/slides/slide3.xml><?xml version="1.0" encoding="utf-8"?>
+<p:sld xmlns:a="http://schemas.openxmlformats.org/drawingml/2006/main" xmlns:r="http://schemas.openxmlformats.org/officeDocument/2006/relationships" xmlns:p="http://schemas.openxmlformats.org/presentationml/2006/main">
+  <p:cSld>
+    <p:spTree>
+      <p:nvGrpSpPr>
+        <p:cNvPr id="1" name=""/>
+        <p:cNvGrpSpPr/>
+        <p:nvPr/>
+      </p:nvGrpSpPr>
+      <p:grpSpPr>
+        <a:xfrm>
+          <a:off x="0" y="0"/>
+          <a:ext cx="0" cy="0"/>
+          <a:chOff x="0" y="0"/>
+          <a:chExt cx="0" cy="0"/>
+        </a:xfrm>
+      </p:grpSpPr>
+      <p:sp>
+        <p:nvSpPr>
+          <p:cNvPr id="9" name="Content Placeholder 8">
+            <a:extLst>
+              <a:ext uri="{FF2B5EF4-FFF2-40B4-BE49-F238E27FC236}">
+                <a16:creationId xmlns:a16="http://schemas.microsoft.com/office/drawing/2014/main" id="{256319DF-036A-473B-95D3-C5F6FF849FD4}"/>
+              </a:ext>
+            </a:extLst>
+          </p:cNvPr>
+          <p:cNvSpPr>
+            <a:spLocks noGrp="1"/>
+          </p:cNvSpPr>
+          <p:nvPr>
+            <p:ph idx="1"/>
+          </p:nvPr>
+        </p:nvSpPr>
+        <p:spPr/>
+        <p:txBody>
+          <a:bodyPr>
+            <a:normAutofit/>
+          </a:bodyPr>
+          <a:lstStyle/>
+          <a:p>
+            <a:pPr marL="0" indent="0">
+              <a:buNone/>
+            </a:pPr>
+            <a:br>
+              <a:rPr lang="de-DE" dirty="0"/>
+            </a:br>
+            <a:endParaRPr lang="de-DE" dirty="0"/>
+          </a:p>
+          <a:p>
+            <a:pPr marL="0" indent="0">
+              <a:buNone/>
+            </a:pPr>
+            <a:endParaRPr lang="en-US" dirty="0"/>
+          </a:p>
+        </p:txBody>
+      </p:sp>
+      <p:sp>
+        <p:nvSpPr>
+          <p:cNvPr id="71" name="Slide Number Placeholder 70">
+            <a:extLst>
+              <a:ext uri="{FF2B5EF4-FFF2-40B4-BE49-F238E27FC236}">
+                <a16:creationId xmlns:a16="http://schemas.microsoft.com/office/drawing/2014/main" id="{D222F862-D4C8-42C6-BB64-662A73425911}"/>
+              </a:ext>
+            </a:extLst>
+          </p:cNvPr>
+          <p:cNvSpPr>
+            <a:spLocks noGrp="1"/>
+          </p:cNvSpPr>
+          <p:nvPr>
+            <p:ph type="sldNum" sz="quarter" idx="4"/>
+          </p:nvPr>
+        </p:nvSpPr>
+        <p:spPr/>
+        <p:txBody>
+          <a:bodyPr/>
+          <a:lstStyle/>
+          <a:p>
+            <a:fld id="{8C2E478F-E849-4A8C-AF1F-CBCC78A7CBFA}" type="slidenum">
+              <a:rPr lang="en-US" smtClean="0"/>
+              <a:t>3</a:t>
+            </a:fld>
+            <a:endParaRPr lang="en-US" dirty="0"/>
+          </a:p>
+        </p:txBody>
+      </p:sp>
+      <p:sp>
+        <p:nvSpPr>
+          <p:cNvPr id="12" name="Rectangle 11">
+            <a:extLst>
+              <a:ext uri="{FF2B5EF4-FFF2-40B4-BE49-F238E27FC236}">
+                <a16:creationId xmlns:a16="http://schemas.microsoft.com/office/drawing/2014/main" id="{34E04414-527E-EC4C-A0AF-8716344C0524}"/>
+              </a:ext>
+            </a:extLst>
+          </p:cNvPr>
+          <p:cNvSpPr/>
+          <p:nvPr/>
+        </p:nvSpPr>
+        <p:spPr>
+          <a:xfrm>
+            <a:off x="7068065" y="6169326"/>
+            <a:ext cx="4819135" cy="664102"/>
+          </a:xfrm>
+          <a:prstGeom prst="rect">
+            <a:avLst/>
+          </a:prstGeom>
+        </p:spPr>
+        <p:style>
+          <a:lnRef idx="2">
+            <a:schemeClr val="accent1">
+              <a:shade val="50000"/>
+            </a:schemeClr>
+          </a:lnRef>
+          <a:fillRef idx="1">
+            <a:schemeClr val="accent1"/>
+          </a:fillRef>
+          <a:effectRef idx="0">
+            <a:schemeClr val="accent1"/>
+          </a:effectRef>
+          <a:fontRef idx="minor">
+            <a:schemeClr val="lt1"/>
+          </a:fontRef>
+        </p:style>
+        <p:txBody>
+          <a:bodyPr rtlCol="0" anchor="ctr"/>
+          <a:lstStyle/>
+          <a:p>
+            <a:pPr algn="ctr"/>
+            <a:r>
+              <a:rPr lang="de-DE" dirty="0"/>
+              <a:t>TOTAL TECHNOLOGY</a:t>
+            </a:r>
+          </a:p>
+        </p:txBody>
+      </p:sp>
+      <p:sp>
+        <p:nvSpPr>
+          <p:cNvPr id="2" name="TextBox 1">
+            <a:extLst>
+              <a:ext uri="{FF2B5EF4-FFF2-40B4-BE49-F238E27FC236}">
+                <a16:creationId xmlns:a16="http://schemas.microsoft.com/office/drawing/2014/main" id="{3823A57D-49A2-2243-8C03-838AD9E799C4}"/>
+              </a:ext>
+            </a:extLst>
+          </p:cNvPr>
+          <p:cNvSpPr txBox="1"/>
+          <p:nvPr/>
+        </p:nvSpPr>
+        <p:spPr>
+          <a:xfrm>
+            <a:off x="381000" y="123568"/>
+            <a:ext cx="11650363" cy="5355312"/>
+          </a:xfrm>
+          <a:prstGeom prst="rect">
+            <a:avLst/>
+          </a:prstGeom>
+          <a:noFill/>
+        </p:spPr>
+        <p:txBody>
+          <a:bodyPr wrap="square" rtlCol="0">
+            <a:spAutoFit/>
+          </a:bodyPr>
+          <a:lstStyle/>
+          <a:p>
+            <a:r>
+              <a:rPr lang="de-DE" sz="2400" dirty="0"/>
+              <a:t>HOW TO GENERATE CODE39 BARCODE:</a:t>
+            </a:r>
+          </a:p>
+          <a:p>
+            <a:endParaRPr lang="de-DE" sz="2400" dirty="0">
+              <a:highlight>
+                <a:srgbClr val="FFFF00"/>
+              </a:highlight>
+            </a:endParaRPr>
+          </a:p>
+          <a:p>
+            <a:r>
+              <a:rPr lang="de-DE" dirty="0" err="1"/>
+              <a:t>from</a:t>
+            </a:r>
+            <a:r>
+              <a:rPr lang="de-DE" dirty="0"/>
+              <a:t> </a:t>
+            </a:r>
+            <a:r>
+              <a:rPr lang="de-DE" dirty="0" err="1"/>
+              <a:t>reportlab.graphics.barcode</a:t>
+            </a:r>
+            <a:r>
+              <a:rPr lang="de-DE" dirty="0"/>
+              <a:t> </a:t>
+            </a:r>
+            <a:r>
+              <a:rPr lang="de-DE" dirty="0" err="1"/>
+              <a:t>import</a:t>
+            </a:r>
+            <a:r>
+              <a:rPr lang="de-DE" dirty="0"/>
+              <a:t> code39</a:t>
+            </a:r>
+          </a:p>
+          <a:p>
+            <a:r>
+              <a:rPr lang="de-DE" dirty="0" err="1"/>
+              <a:t>from</a:t>
+            </a:r>
+            <a:r>
+              <a:rPr lang="de-DE" dirty="0"/>
+              <a:t> </a:t>
+            </a:r>
+            <a:r>
+              <a:rPr lang="de-DE" dirty="0" err="1"/>
+              <a:t>reportlab.platypus</a:t>
+            </a:r>
+            <a:r>
+              <a:rPr lang="de-DE" dirty="0"/>
+              <a:t> </a:t>
+            </a:r>
+            <a:r>
+              <a:rPr lang="de-DE" dirty="0" err="1"/>
+              <a:t>import</a:t>
+            </a:r>
+            <a:r>
+              <a:rPr lang="de-DE" dirty="0"/>
+              <a:t> </a:t>
+            </a:r>
+            <a:r>
+              <a:rPr lang="de-DE" dirty="0" err="1"/>
+              <a:t>SimpleDocTemplate,</a:t>
+            </a:r>
+            <a:r>
+              <a:rPr lang="de-DE" u="sng" dirty="0" err="1"/>
+              <a:t>Paragraph</a:t>
+            </a:r>
+            <a:endParaRPr lang="de-DE" dirty="0"/>
+          </a:p>
+          <a:p>
+            <a:r>
+              <a:rPr lang="de-DE" dirty="0" err="1"/>
+              <a:t>from</a:t>
+            </a:r>
+            <a:r>
+              <a:rPr lang="de-DE" dirty="0"/>
+              <a:t> </a:t>
+            </a:r>
+            <a:r>
+              <a:rPr lang="de-DE" dirty="0" err="1"/>
+              <a:t>reportlab.lib.styles</a:t>
+            </a:r>
+            <a:r>
+              <a:rPr lang="de-DE" dirty="0"/>
+              <a:t> </a:t>
+            </a:r>
+            <a:r>
+              <a:rPr lang="de-DE" dirty="0" err="1"/>
+              <a:t>import</a:t>
+            </a:r>
+            <a:r>
+              <a:rPr lang="de-DE" dirty="0"/>
+              <a:t> </a:t>
+            </a:r>
+            <a:r>
+              <a:rPr lang="de-DE" dirty="0" err="1"/>
+              <a:t>getSampleStyleSheet</a:t>
+            </a:r>
+            <a:endParaRPr lang="de-DE" dirty="0"/>
+          </a:p>
+          <a:p>
+            <a:r>
+              <a:rPr lang="de-DE" dirty="0" err="1"/>
+              <a:t>pdf</a:t>
+            </a:r>
+            <a:r>
+              <a:rPr lang="de-DE" dirty="0"/>
+              <a:t>=</a:t>
+            </a:r>
+            <a:r>
+              <a:rPr lang="de-DE" dirty="0" err="1"/>
+              <a:t>SimpleDocTemplate</a:t>
+            </a:r>
+            <a:r>
+              <a:rPr lang="de-DE" dirty="0"/>
+              <a:t>(</a:t>
+            </a:r>
+            <a:r>
+              <a:rPr lang="de-DE" i="1" dirty="0"/>
+              <a:t>"tutorial39.</a:t>
+            </a:r>
+            <a:r>
+              <a:rPr lang="de-DE" i="1" u="sng" dirty="0"/>
+              <a:t>pdf</a:t>
+            </a:r>
+            <a:r>
+              <a:rPr lang="de-DE" i="1" dirty="0"/>
+              <a:t>"</a:t>
+            </a:r>
+            <a:r>
+              <a:rPr lang="de-DE" dirty="0"/>
+              <a:t>)</a:t>
+            </a:r>
+          </a:p>
+          <a:p>
+            <a:r>
+              <a:rPr lang="de-DE" dirty="0" err="1"/>
+              <a:t>flow_obj</a:t>
+            </a:r>
+            <a:r>
+              <a:rPr lang="de-DE" dirty="0"/>
+              <a:t>=[]</a:t>
+            </a:r>
+          </a:p>
+          <a:p>
+            <a:r>
+              <a:rPr lang="de-DE" dirty="0" err="1"/>
+              <a:t>styles</a:t>
+            </a:r>
+            <a:r>
+              <a:rPr lang="de-DE" dirty="0"/>
+              <a:t>=</a:t>
+            </a:r>
+            <a:r>
+              <a:rPr lang="de-DE" dirty="0" err="1"/>
+              <a:t>getSampleStyleSheet</a:t>
+            </a:r>
+            <a:r>
+              <a:rPr lang="de-DE" dirty="0"/>
+              <a:t>()</a:t>
+            </a:r>
+          </a:p>
+          <a:p>
+            <a:r>
+              <a:rPr lang="de-DE" dirty="0" err="1"/>
+              <a:t>codetext</a:t>
+            </a:r>
+            <a:r>
+              <a:rPr lang="de-DE" dirty="0"/>
+              <a:t>=</a:t>
+            </a:r>
+            <a:r>
+              <a:rPr lang="de-DE" i="1" dirty="0"/>
+              <a:t>"-paste-</a:t>
+            </a:r>
+            <a:r>
+              <a:rPr lang="de-DE" i="1" u="sng" dirty="0" err="1"/>
+              <a:t>colgatemax</a:t>
+            </a:r>
+            <a:r>
+              <a:rPr lang="de-DE" i="1" dirty="0"/>
+              <a:t> white-100gm-5usd-"</a:t>
+            </a:r>
+            <a:endParaRPr lang="de-DE" dirty="0"/>
+          </a:p>
+          <a:p>
+            <a:r>
+              <a:rPr lang="de-DE" dirty="0" err="1"/>
+              <a:t>code</a:t>
+            </a:r>
+            <a:r>
+              <a:rPr lang="de-DE" dirty="0"/>
+              <a:t>=code39.Standard39(</a:t>
+            </a:r>
+            <a:r>
+              <a:rPr lang="de-DE" dirty="0" err="1"/>
+              <a:t>codetext,barHeight</a:t>
+            </a:r>
+            <a:r>
+              <a:rPr lang="de-DE" dirty="0"/>
+              <a:t>=50)</a:t>
+            </a:r>
+          </a:p>
+          <a:p>
+            <a:r>
+              <a:rPr lang="de-DE" dirty="0" err="1"/>
+              <a:t>flow_obj.append</a:t>
+            </a:r>
+            <a:r>
+              <a:rPr lang="de-DE" dirty="0"/>
+              <a:t>(</a:t>
+            </a:r>
+            <a:r>
+              <a:rPr lang="de-DE" dirty="0" err="1"/>
+              <a:t>code</a:t>
+            </a:r>
+            <a:r>
+              <a:rPr lang="de-DE" dirty="0"/>
+              <a:t>)</a:t>
+            </a:r>
+          </a:p>
+          <a:p>
+            <a:r>
+              <a:rPr lang="de-DE" dirty="0" err="1"/>
+              <a:t>pdf.build</a:t>
+            </a:r>
+            <a:r>
+              <a:rPr lang="de-DE" dirty="0"/>
+              <a:t>(</a:t>
+            </a:r>
+            <a:r>
+              <a:rPr lang="de-DE" dirty="0" err="1"/>
+              <a:t>flow_obj</a:t>
+            </a:r>
+            <a:r>
+              <a:rPr lang="de-DE" dirty="0"/>
+              <a:t>)</a:t>
+            </a:r>
+          </a:p>
+          <a:p>
+            <a:endParaRPr lang="de-DE" sz="2400" dirty="0">
+              <a:highlight>
+                <a:srgbClr val="FFFF00"/>
+              </a:highlight>
+            </a:endParaRPr>
+          </a:p>
+          <a:p>
+            <a:endParaRPr lang="de-DE" sz="2400" dirty="0">
+              <a:highlight>
+                <a:srgbClr val="FFFF00"/>
+              </a:highlight>
+            </a:endParaRPr>
+          </a:p>
+          <a:p>
+            <a:br>
+              <a:rPr lang="de-DE" b="1" dirty="0"/>
+            </a:br>
+            <a:endParaRPr lang="de-DE" sz="2400" dirty="0"/>
+          </a:p>
+          <a:p>
+            <a:endParaRPr lang="de-DE" sz="2400" dirty="0">
+              <a:highlight>
+                <a:srgbClr val="FFFF00"/>
+              </a:highlight>
+            </a:endParaRPr>
+          </a:p>
+        </p:txBody>
+      </p:sp>
+    </p:spTree>
+    <p:extLst>
+      <p:ext uri="{BB962C8B-B14F-4D97-AF65-F5344CB8AC3E}">
+        <p14:creationId xmlns:p14="http://schemas.microsoft.com/office/powerpoint/2010/main" val="2371070727"/>
       </p:ext>
     </p:extLst>
   </p:cSld>
@@ -9211,11 +9800,12 @@
 </file>
 
 <file path=customXml/item1.xml><?xml version="1.0" encoding="utf-8"?>
-<p:properties xmlns:p="http://schemas.microsoft.com/office/2006/metadata/properties" xmlns:xsi="http://www.w3.org/2001/XMLSchema-instance" xmlns:pc="http://schemas.microsoft.com/office/infopath/2007/PartnerControls">
-  <documentManagement>
-    <MediaServiceKeyPoints xmlns="71af3243-3dd4-4a8d-8c0d-dd76da1f02a5" xsi:nil="true"/>
-  </documentManagement>
-</p:properties>
+<?mso-contentType ?>
+<FormTemplates xmlns="http://schemas.microsoft.com/sharepoint/v3/contenttype/forms">
+  <Display>DocumentLibraryForm</Display>
+  <Edit>DocumentLibraryForm</Edit>
+  <New>DocumentLibraryForm</New>
+</FormTemplates>
 </file>
 
 <file path=customXml/item2.xml><?xml version="1.0" encoding="utf-8"?>
@@ -9430,20 +10020,17 @@
 </file>
 
 <file path=customXml/item3.xml><?xml version="1.0" encoding="utf-8"?>
-<?mso-contentType ?>
-<FormTemplates xmlns="http://schemas.microsoft.com/sharepoint/v3/contenttype/forms">
-  <Display>DocumentLibraryForm</Display>
-  <Edit>DocumentLibraryForm</Edit>
-  <New>DocumentLibraryForm</New>
-</FormTemplates>
+<p:properties xmlns:p="http://schemas.microsoft.com/office/2006/metadata/properties" xmlns:xsi="http://www.w3.org/2001/XMLSchema-instance" xmlns:pc="http://schemas.microsoft.com/office/infopath/2007/PartnerControls">
+  <documentManagement>
+    <MediaServiceKeyPoints xmlns="71af3243-3dd4-4a8d-8c0d-dd76da1f02a5" xsi:nil="true"/>
+  </documentManagement>
+</p:properties>
 </file>
 
 <file path=customXml/itemProps1.xml><?xml version="1.0" encoding="utf-8"?>
-<ds:datastoreItem xmlns:ds="http://schemas.openxmlformats.org/officeDocument/2006/customXml" ds:itemID="{22E71848-B78E-4D58-BFA5-D2D5918911CD}">
+<ds:datastoreItem xmlns:ds="http://schemas.openxmlformats.org/officeDocument/2006/customXml" ds:itemID="{89B3E157-1CAC-4231-A2EC-E93952D57E42}">
   <ds:schemaRefs>
-    <ds:schemaRef ds:uri="http://schemas.microsoft.com/office/2006/metadata/properties"/>
-    <ds:schemaRef ds:uri="http://schemas.microsoft.com/office/infopath/2007/PartnerControls"/>
-    <ds:schemaRef ds:uri="71af3243-3dd4-4a8d-8c0d-dd76da1f02a5"/>
+    <ds:schemaRef ds:uri="http://schemas.microsoft.com/sharepoint/v3/contenttype/forms"/>
   </ds:schemaRefs>
 </ds:datastoreItem>
 </file>
@@ -9468,9 +10055,11 @@
 </file>
 
 <file path=customXml/itemProps3.xml><?xml version="1.0" encoding="utf-8"?>
-<ds:datastoreItem xmlns:ds="http://schemas.openxmlformats.org/officeDocument/2006/customXml" ds:itemID="{89B3E157-1CAC-4231-A2EC-E93952D57E42}">
+<ds:datastoreItem xmlns:ds="http://schemas.openxmlformats.org/officeDocument/2006/customXml" ds:itemID="{22E71848-B78E-4D58-BFA5-D2D5918911CD}">
   <ds:schemaRefs>
-    <ds:schemaRef ds:uri="http://schemas.microsoft.com/sharepoint/v3/contenttype/forms"/>
+    <ds:schemaRef ds:uri="http://schemas.microsoft.com/office/2006/metadata/properties"/>
+    <ds:schemaRef ds:uri="http://schemas.microsoft.com/office/infopath/2007/PartnerControls"/>
+    <ds:schemaRef ds:uri="71af3243-3dd4-4a8d-8c0d-dd76da1f02a5"/>
   </ds:schemaRefs>
 </ds:datastoreItem>
 </file>